--- a/Cahier de Charges/Minutos Telecom jan25.pptx
+++ b/Cahier de Charges/Minutos Telecom jan25.pptx
@@ -5,7 +5,7 @@
     <p:sldMasterId id="2147483934" r:id="rId1"/>
   </p:sldMasterIdLst>
   <p:notesMasterIdLst>
-    <p:notesMasterId r:id="rId24"/>
+    <p:notesMasterId r:id="rId25"/>
   </p:notesMasterIdLst>
   <p:sldIdLst>
     <p:sldId id="256" r:id="rId2"/>
@@ -30,6 +30,7 @@
     <p:sldId id="290" r:id="rId21"/>
     <p:sldId id="291" r:id="rId22"/>
     <p:sldId id="292" r:id="rId23"/>
+    <p:sldId id="293" r:id="rId24"/>
   </p:sldIdLst>
   <p:sldSz cx="12192000" cy="6858000"/>
   <p:notesSz cx="6858000" cy="9144000"/>
@@ -1739,6 +1740,90 @@
     <p:extLst>
       <p:ext uri="{BB962C8B-B14F-4D97-AF65-F5344CB8AC3E}">
         <p14:creationId xmlns:p14="http://schemas.microsoft.com/office/powerpoint/2010/main" val="2816245280"/>
+      </p:ext>
+    </p:extLst>
+  </p:cSld>
+  <p:clrMapOvr>
+    <a:masterClrMapping/>
+  </p:clrMapOvr>
+</p:notes>
+</file>
+
+<file path=ppt/notesSlides/notesSlide23.xml><?xml version="1.0" encoding="utf-8"?>
+<p:notes xmlns:a="http://schemas.openxmlformats.org/drawingml/2006/main" xmlns:r="http://schemas.openxmlformats.org/officeDocument/2006/relationships" xmlns:p="http://schemas.openxmlformats.org/presentationml/2006/main">
+  <p:cSld>
+    <p:spTree>
+      <p:nvGrpSpPr>
+        <p:cNvPr id="1" name=""/>
+        <p:cNvGrpSpPr/>
+        <p:nvPr/>
+      </p:nvGrpSpPr>
+      <p:grpSpPr>
+        <a:xfrm>
+          <a:off x="0" y="0"/>
+          <a:ext cx="0" cy="0"/>
+          <a:chOff x="0" y="0"/>
+          <a:chExt cx="0" cy="0"/>
+        </a:xfrm>
+      </p:grpSpPr>
+      <p:sp>
+        <p:nvSpPr>
+          <p:cNvPr id="2" name="Espace réservé de l'image des diapositives 1"/>
+          <p:cNvSpPr>
+            <a:spLocks noGrp="1" noRot="1" noChangeAspect="1"/>
+          </p:cNvSpPr>
+          <p:nvPr>
+            <p:ph type="sldImg"/>
+          </p:nvPr>
+        </p:nvSpPr>
+        <p:spPr/>
+      </p:sp>
+      <p:sp>
+        <p:nvSpPr>
+          <p:cNvPr id="3" name="Espace réservé des notes 2"/>
+          <p:cNvSpPr>
+            <a:spLocks noGrp="1"/>
+          </p:cNvSpPr>
+          <p:nvPr>
+            <p:ph type="body" idx="1"/>
+          </p:nvPr>
+        </p:nvSpPr>
+        <p:spPr/>
+        <p:txBody>
+          <a:bodyPr/>
+          <a:lstStyle/>
+          <a:p>
+            <a:endParaRPr lang="fr-FR" dirty="0"/>
+          </a:p>
+        </p:txBody>
+      </p:sp>
+      <p:sp>
+        <p:nvSpPr>
+          <p:cNvPr id="4" name="Espace réservé du numéro de diapositive 3"/>
+          <p:cNvSpPr>
+            <a:spLocks noGrp="1"/>
+          </p:cNvSpPr>
+          <p:nvPr>
+            <p:ph type="sldNum" sz="quarter" idx="5"/>
+          </p:nvPr>
+        </p:nvSpPr>
+        <p:spPr/>
+        <p:txBody>
+          <a:bodyPr/>
+          <a:lstStyle/>
+          <a:p>
+            <a:fld id="{B882A494-B339-450F-83A5-F314CA7EA4F5}" type="slidenum">
+              <a:rPr lang="fr-FR" smtClean="0"/>
+              <a:t>23</a:t>
+            </a:fld>
+            <a:endParaRPr lang="fr-FR"/>
+          </a:p>
+        </p:txBody>
+      </p:sp>
+    </p:spTree>
+    <p:extLst>
+      <p:ext uri="{BB962C8B-B14F-4D97-AF65-F5344CB8AC3E}">
+        <p14:creationId xmlns:p14="http://schemas.microsoft.com/office/powerpoint/2010/main" val="1260550248"/>
       </p:ext>
     </p:extLst>
   </p:cSld>
@@ -7007,12 +7092,6 @@
               </a:rPr>
               <a:t>de vente solides</a:t>
             </a:r>
-            <a:endParaRPr lang="fr-FR" sz="1500" dirty="0">
-              <a:solidFill>
-                <a:srgbClr val="01255A"/>
-              </a:solidFill>
-              <a:latin typeface="Inter"/>
-            </a:endParaRPr>
           </a:p>
         </p:txBody>
       </p:sp>
@@ -7141,12 +7220,6 @@
               </a:rPr>
               <a:t>d’informations</a:t>
             </a:r>
-            <a:endParaRPr lang="fr-FR" sz="1500" dirty="0">
-              <a:solidFill>
-                <a:srgbClr val="01255A"/>
-              </a:solidFill>
-              <a:latin typeface="Inter"/>
-            </a:endParaRPr>
           </a:p>
         </p:txBody>
       </p:sp>
@@ -7246,12 +7319,6 @@
               </a:rPr>
               <a:t>de ventes sans la Box</a:t>
             </a:r>
-            <a:endParaRPr lang="fr-FR" sz="1500" dirty="0">
-              <a:solidFill>
-                <a:srgbClr val="01255A"/>
-              </a:solidFill>
-              <a:latin typeface="Inter"/>
-            </a:endParaRPr>
           </a:p>
         </p:txBody>
       </p:sp>
@@ -7292,12 +7359,6 @@
               </a:rPr>
               <a:t>Menaces</a:t>
             </a:r>
-            <a:endParaRPr lang="fr-FR" sz="2000" b="1" dirty="0">
-              <a:solidFill>
-                <a:srgbClr val="01255A"/>
-              </a:solidFill>
-              <a:latin typeface="Inter"/>
-            </a:endParaRPr>
           </a:p>
           <a:p>
             <a:endParaRPr lang="pt-BR" sz="2000" b="1" dirty="0" smtClean="0">
@@ -7322,12 +7383,6 @@
               </a:rPr>
               <a:t>• Concurrence des grandes entreprises nationales</a:t>
             </a:r>
-            <a:endParaRPr lang="fr-FR" sz="1500" dirty="0">
-              <a:solidFill>
-                <a:srgbClr val="01255A"/>
-              </a:solidFill>
-              <a:latin typeface="Inter"/>
-            </a:endParaRPr>
           </a:p>
         </p:txBody>
       </p:sp>
@@ -10750,8 +10805,8 @@
         </p:nvSpPr>
         <p:spPr>
           <a:xfrm>
-            <a:off x="4792606" y="2424178"/>
-            <a:ext cx="2606804" cy="861774"/>
+            <a:off x="4205107" y="2424178"/>
+            <a:ext cx="3781806" cy="861774"/>
           </a:xfrm>
           <a:prstGeom prst="rect">
             <a:avLst/>
@@ -10772,7 +10827,7 @@
                 </a:solidFill>
                 <a:latin typeface="Inter"/>
               </a:rPr>
-              <a:t>LE SITE</a:t>
+              <a:t>MAQUETTE</a:t>
             </a:r>
             <a:endParaRPr lang="fr-FR" sz="5000" dirty="0">
               <a:solidFill>
@@ -10817,6 +10872,144 @@
     <p:extLst>
       <p:ext uri="{BB962C8B-B14F-4D97-AF65-F5344CB8AC3E}">
         <p14:creationId xmlns:p14="http://schemas.microsoft.com/office/powerpoint/2010/main" val="1216737551"/>
+      </p:ext>
+    </p:extLst>
+  </p:cSld>
+  <p:clrMapOvr>
+    <a:masterClrMapping/>
+  </p:clrMapOvr>
+  <p:timing>
+    <p:tnLst>
+      <p:par>
+        <p:cTn id="1" dur="indefinite" restart="never" nodeType="tmRoot"/>
+      </p:par>
+    </p:tnLst>
+  </p:timing>
+</p:sld>
+</file>
+
+<file path=ppt/slides/slide23.xml><?xml version="1.0" encoding="utf-8"?>
+<p:sld xmlns:a="http://schemas.openxmlformats.org/drawingml/2006/main" xmlns:r="http://schemas.openxmlformats.org/officeDocument/2006/relationships" xmlns:p="http://schemas.openxmlformats.org/presentationml/2006/main">
+  <p:cSld>
+    <p:spTree>
+      <p:nvGrpSpPr>
+        <p:cNvPr id="1" name=""/>
+        <p:cNvGrpSpPr/>
+        <p:nvPr/>
+      </p:nvGrpSpPr>
+      <p:grpSpPr>
+        <a:xfrm>
+          <a:off x="0" y="0"/>
+          <a:ext cx="0" cy="0"/>
+          <a:chOff x="0" y="0"/>
+          <a:chExt cx="0" cy="0"/>
+        </a:xfrm>
+      </p:grpSpPr>
+      <p:pic>
+        <p:nvPicPr>
+          <p:cNvPr id="3" name="Image 2"/>
+          <p:cNvPicPr>
+            <a:picLocks noChangeAspect="1"/>
+          </p:cNvPicPr>
+          <p:nvPr/>
+        </p:nvPicPr>
+        <p:blipFill>
+          <a:blip r:embed="rId3">
+            <a:extLst>
+              <a:ext uri="{28A0092B-C50C-407E-A947-70E740481C1C}">
+                <a14:useLocalDpi xmlns:a14="http://schemas.microsoft.com/office/drawing/2010/main" val="0"/>
+              </a:ext>
+            </a:extLst>
+          </a:blip>
+          <a:stretch>
+            <a:fillRect/>
+          </a:stretch>
+        </p:blipFill>
+        <p:spPr>
+          <a:xfrm>
+            <a:off x="0" y="0"/>
+            <a:ext cx="12192000" cy="6858000"/>
+          </a:xfrm>
+          <a:prstGeom prst="rect">
+            <a:avLst/>
+          </a:prstGeom>
+        </p:spPr>
+      </p:pic>
+      <p:sp>
+        <p:nvSpPr>
+          <p:cNvPr id="8" name="ZoneTexte 7"/>
+          <p:cNvSpPr txBox="1"/>
+          <p:nvPr/>
+        </p:nvSpPr>
+        <p:spPr>
+          <a:xfrm>
+            <a:off x="4792606" y="2424178"/>
+            <a:ext cx="2606804" cy="861774"/>
+          </a:xfrm>
+          <a:prstGeom prst="rect">
+            <a:avLst/>
+          </a:prstGeom>
+          <a:noFill/>
+        </p:spPr>
+        <p:txBody>
+          <a:bodyPr wrap="none" rtlCol="0">
+            <a:spAutoFit/>
+          </a:bodyPr>
+          <a:lstStyle/>
+          <a:p>
+            <a:pPr algn="ctr"/>
+            <a:r>
+              <a:rPr lang="pt-BR" sz="5000" b="1" dirty="0" smtClean="0">
+                <a:solidFill>
+                  <a:schemeClr val="bg1"/>
+                </a:solidFill>
+                <a:latin typeface="Inter"/>
+              </a:rPr>
+              <a:t>LE SITE</a:t>
+            </a:r>
+            <a:endParaRPr lang="fr-FR" sz="5000" dirty="0">
+              <a:solidFill>
+                <a:schemeClr val="bg1"/>
+              </a:solidFill>
+              <a:latin typeface="Inter"/>
+            </a:endParaRPr>
+          </a:p>
+        </p:txBody>
+      </p:sp>
+      <p:pic>
+        <p:nvPicPr>
+          <p:cNvPr id="2" name="Image 1"/>
+          <p:cNvPicPr>
+            <a:picLocks noChangeAspect="1"/>
+          </p:cNvPicPr>
+          <p:nvPr/>
+        </p:nvPicPr>
+        <p:blipFill>
+          <a:blip r:embed="rId4" cstate="hqprint">
+            <a:extLst>
+              <a:ext uri="{28A0092B-C50C-407E-A947-70E740481C1C}">
+                <a14:useLocalDpi xmlns:a14="http://schemas.microsoft.com/office/drawing/2010/main" val="0"/>
+              </a:ext>
+            </a:extLst>
+          </a:blip>
+          <a:stretch>
+            <a:fillRect/>
+          </a:stretch>
+        </p:blipFill>
+        <p:spPr>
+          <a:xfrm>
+            <a:off x="349027" y="272976"/>
+            <a:ext cx="1116308" cy="370200"/>
+          </a:xfrm>
+          <a:prstGeom prst="rect">
+            <a:avLst/>
+          </a:prstGeom>
+        </p:spPr>
+      </p:pic>
+    </p:spTree>
+    <p:extLst>
+      <p:ext uri="{BB962C8B-B14F-4D97-AF65-F5344CB8AC3E}">
+        <p14:creationId xmlns:p14="http://schemas.microsoft.com/office/powerpoint/2010/main" val="1927239404"/>
       </p:ext>
     </p:extLst>
   </p:cSld>
@@ -11243,12 +11436,6 @@
               </a:rPr>
               <a:t>• Et bien d'autres services.</a:t>
             </a:r>
-            <a:endParaRPr lang="fr-FR" sz="2500" dirty="0">
-              <a:solidFill>
-                <a:srgbClr val="01255A"/>
-              </a:solidFill>
-              <a:latin typeface="Inter"/>
-            </a:endParaRPr>
           </a:p>
         </p:txBody>
       </p:sp>
